--- a/PHP/PPT/1 - Formation PHP - l'application web.pptx
+++ b/PHP/PPT/1 - Formation PHP - l'application web.pptx
@@ -205,7 +205,7 @@
           <a:p>
             <a:fld id="{7E0382DC-03BB-4DA5-8FDD-921109285244}" type="datetimeFigureOut">
               <a:rPr lang="fr-FR" smtClean="0"/>
-              <a:t>08/12/2015</a:t>
+              <a:t>13/12/2016</a:t>
             </a:fld>
             <a:endParaRPr lang="fr-FR"/>
           </a:p>
@@ -271,7 +271,7 @@
           <a:p>
             <a:fld id="{1F72861D-83A5-4B09-9317-6C9EE4A8F674}" type="slidenum">
               <a:rPr lang="fr-FR" smtClean="0"/>
-              <a:t>‹N°›</a:t>
+              <a:t>‹#›</a:t>
             </a:fld>
             <a:endParaRPr lang="fr-FR"/>
           </a:p>
@@ -371,7 +371,7 @@
           <a:p>
             <a:fld id="{389D4A9C-97F0-421E-BA4F-D67C6EA9E76C}" type="datetimeFigureOut">
               <a:rPr lang="fr-FR" smtClean="0"/>
-              <a:t>08/12/2015</a:t>
+              <a:t>13/12/2016</a:t>
             </a:fld>
             <a:endParaRPr lang="fr-FR"/>
           </a:p>
@@ -530,7 +530,7 @@
           <a:p>
             <a:fld id="{B8C2C029-268C-41B7-93F7-272C3F336A6D}" type="slidenum">
               <a:rPr lang="fr-FR" smtClean="0"/>
-              <a:t>‹N°›</a:t>
+              <a:t>‹#›</a:t>
             </a:fld>
             <a:endParaRPr lang="fr-FR"/>
           </a:p>
@@ -823,7 +823,7 @@
           <a:p>
             <a:fld id="{D028C1AA-BF05-477F-A770-8B89FAEAA0EB}" type="datetime1">
               <a:rPr lang="en-US" smtClean="0"/>
-              <a:t>12/8/2015</a:t>
+              <a:t>12/13/16</a:t>
             </a:fld>
             <a:endParaRPr lang="en-US" dirty="0"/>
           </a:p>
@@ -865,7 +865,7 @@
           <a:p>
             <a:fld id="{D57F1E4F-1CFF-5643-939E-02111984F565}" type="slidenum">
               <a:rPr lang="en-US" dirty="0"/>
-              <a:t>‹N°›</a:t>
+              <a:t>‹#›</a:t>
             </a:fld>
             <a:endParaRPr lang="en-US" dirty="0"/>
           </a:p>
@@ -1093,7 +1093,7 @@
           <a:p>
             <a:fld id="{ACB945BD-B832-438F-9794-86FAF9DC2027}" type="datetime1">
               <a:rPr lang="en-US" smtClean="0"/>
-              <a:t>12/8/2015</a:t>
+              <a:t>12/13/16</a:t>
             </a:fld>
             <a:endParaRPr lang="en-US" dirty="0"/>
           </a:p>
@@ -1135,7 +1135,7 @@
           <a:p>
             <a:fld id="{D57F1E4F-1CFF-5643-939E-02111984F565}" type="slidenum">
               <a:rPr lang="en-US" dirty="0"/>
-              <a:t>‹N°›</a:t>
+              <a:t>‹#›</a:t>
             </a:fld>
             <a:endParaRPr lang="en-US" dirty="0"/>
           </a:p>
@@ -1282,7 +1282,7 @@
           <a:p>
             <a:fld id="{1274AFCD-D2AD-4C91-98A9-FDB209680D66}" type="datetime1">
               <a:rPr lang="en-US" smtClean="0"/>
-              <a:t>12/8/2015</a:t>
+              <a:t>12/13/16</a:t>
             </a:fld>
             <a:endParaRPr lang="en-US" dirty="0"/>
           </a:p>
@@ -1324,7 +1324,7 @@
           <a:p>
             <a:fld id="{D57F1E4F-1CFF-5643-939E-02111984F565}" type="slidenum">
               <a:rPr lang="en-US" dirty="0"/>
-              <a:t>‹N°›</a:t>
+              <a:t>‹#›</a:t>
             </a:fld>
             <a:endParaRPr lang="en-US" dirty="0"/>
           </a:p>
@@ -1545,7 +1545,7 @@
           <a:p>
             <a:fld id="{7381FAA0-3FF9-44B3-94D9-03C8A2166C7C}" type="datetime1">
               <a:rPr lang="en-US" smtClean="0"/>
-              <a:t>12/8/2015</a:t>
+              <a:t>12/13/16</a:t>
             </a:fld>
             <a:endParaRPr lang="en-US" dirty="0"/>
           </a:p>
@@ -1587,7 +1587,7 @@
           <a:p>
             <a:fld id="{D57F1E4F-1CFF-5643-939E-02111984F565}" type="slidenum">
               <a:rPr lang="en-US" dirty="0"/>
-              <a:t>‹N°›</a:t>
+              <a:t>‹#›</a:t>
             </a:fld>
             <a:endParaRPr lang="en-US" dirty="0"/>
           </a:p>
@@ -1872,7 +1872,7 @@
           <a:p>
             <a:fld id="{F769EEA7-6558-41EF-B7C6-A91CF4B2286A}" type="datetime1">
               <a:rPr lang="en-US" smtClean="0"/>
-              <a:t>12/8/2015</a:t>
+              <a:t>12/13/16</a:t>
             </a:fld>
             <a:endParaRPr lang="en-US" dirty="0"/>
           </a:p>
@@ -1914,7 +1914,7 @@
           <a:p>
             <a:fld id="{D57F1E4F-1CFF-5643-939E-02111984F565}" type="slidenum">
               <a:rPr lang="en-US" dirty="0"/>
-              <a:t>‹N°›</a:t>
+              <a:t>‹#›</a:t>
             </a:fld>
             <a:endParaRPr lang="en-US" dirty="0"/>
           </a:p>
@@ -2477,7 +2477,7 @@
           <a:p>
             <a:fld id="{4CE4BD85-82ED-49EB-9DBD-BBC9E8C9DC12}" type="datetime1">
               <a:rPr lang="en-US" smtClean="0"/>
-              <a:t>12/8/2015</a:t>
+              <a:t>12/13/16</a:t>
             </a:fld>
             <a:endParaRPr lang="en-US" dirty="0"/>
           </a:p>
@@ -2519,7 +2519,7 @@
           <a:p>
             <a:fld id="{D57F1E4F-1CFF-5643-939E-02111984F565}" type="slidenum">
               <a:rPr lang="en-US" dirty="0"/>
-              <a:t>‹N°›</a:t>
+              <a:t>‹#›</a:t>
             </a:fld>
             <a:endParaRPr lang="en-US" dirty="0"/>
           </a:p>
@@ -3319,7 +3319,7 @@
           <a:p>
             <a:fld id="{6BC53C1E-317A-4984-805E-B749D7F4E950}" type="datetime1">
               <a:rPr lang="en-US" smtClean="0"/>
-              <a:t>12/8/2015</a:t>
+              <a:t>12/13/16</a:t>
             </a:fld>
             <a:endParaRPr lang="en-US" dirty="0"/>
           </a:p>
@@ -3361,7 +3361,7 @@
           <a:p>
             <a:fld id="{D57F1E4F-1CFF-5643-939E-02111984F565}" type="slidenum">
               <a:rPr lang="en-US" dirty="0"/>
-              <a:t>‹N°›</a:t>
+              <a:t>‹#›</a:t>
             </a:fld>
             <a:endParaRPr lang="en-US" dirty="0"/>
           </a:p>
@@ -3484,7 +3484,7 @@
           <a:p>
             <a:fld id="{F1541179-F36C-45FB-BF05-576CE598AD5E}" type="datetime1">
               <a:rPr lang="en-US" smtClean="0"/>
-              <a:t>12/8/2015</a:t>
+              <a:t>12/13/16</a:t>
             </a:fld>
             <a:endParaRPr lang="en-US" dirty="0"/>
           </a:p>
@@ -3526,7 +3526,7 @@
           <a:p>
             <a:fld id="{D57F1E4F-1CFF-5643-939E-02111984F565}" type="slidenum">
               <a:rPr lang="en-US" dirty="0"/>
-              <a:t>‹N°›</a:t>
+              <a:t>‹#›</a:t>
             </a:fld>
             <a:endParaRPr lang="en-US" dirty="0"/>
           </a:p>
@@ -3659,7 +3659,7 @@
           <a:p>
             <a:fld id="{1452E859-5120-490F-BA2B-6A7031AEA6DD}" type="datetime1">
               <a:rPr lang="en-US" smtClean="0"/>
-              <a:t>12/8/2015</a:t>
+              <a:t>12/13/16</a:t>
             </a:fld>
             <a:endParaRPr lang="en-US" dirty="0"/>
           </a:p>
@@ -3701,7 +3701,7 @@
           <a:p>
             <a:fld id="{D57F1E4F-1CFF-5643-939E-02111984F565}" type="slidenum">
               <a:rPr lang="en-US" dirty="0"/>
-              <a:t>‹N°›</a:t>
+              <a:t>‹#›</a:t>
             </a:fld>
             <a:endParaRPr lang="en-US" dirty="0"/>
           </a:p>
@@ -3824,7 +3824,7 @@
           <a:p>
             <a:fld id="{9E91C1F3-CCCF-41BE-864F-0425C3139438}" type="datetime1">
               <a:rPr lang="en-US" smtClean="0"/>
-              <a:t>12/8/2015</a:t>
+              <a:t>12/13/16</a:t>
             </a:fld>
             <a:endParaRPr lang="en-US" dirty="0"/>
           </a:p>
@@ -3866,7 +3866,7 @@
           <a:p>
             <a:fld id="{D57F1E4F-1CFF-5643-939E-02111984F565}" type="slidenum">
               <a:rPr lang="en-US" dirty="0"/>
-              <a:t>‹N°›</a:t>
+              <a:t>‹#›</a:t>
             </a:fld>
             <a:endParaRPr lang="en-US" dirty="0"/>
           </a:p>
@@ -4063,7 +4063,7 @@
           <a:p>
             <a:fld id="{F6B991C2-3901-4AF2-98EE-931409B84DE2}" type="datetime1">
               <a:rPr lang="en-US" smtClean="0"/>
-              <a:t>12/8/2015</a:t>
+              <a:t>12/13/16</a:t>
             </a:fld>
             <a:endParaRPr lang="en-US" dirty="0"/>
           </a:p>
@@ -4105,7 +4105,7 @@
           <a:p>
             <a:fld id="{D57F1E4F-1CFF-5643-939E-02111984F565}" type="slidenum">
               <a:rPr lang="en-US" dirty="0"/>
-              <a:t>‹N°›</a:t>
+              <a:t>‹#›</a:t>
             </a:fld>
             <a:endParaRPr lang="en-US" dirty="0"/>
           </a:p>
@@ -4350,7 +4350,7 @@
           <a:p>
             <a:fld id="{0E6299F7-1BBE-4C5A-B359-D36F51D55589}" type="datetime1">
               <a:rPr lang="en-US" smtClean="0"/>
-              <a:t>12/8/2015</a:t>
+              <a:t>12/13/16</a:t>
             </a:fld>
             <a:endParaRPr lang="en-US" dirty="0"/>
           </a:p>
@@ -4392,7 +4392,7 @@
           <a:p>
             <a:fld id="{D57F1E4F-1CFF-5643-939E-02111984F565}" type="slidenum">
               <a:rPr lang="en-US" dirty="0"/>
-              <a:t>‹N°›</a:t>
+              <a:t>‹#›</a:t>
             </a:fld>
             <a:endParaRPr lang="en-US" dirty="0"/>
           </a:p>
@@ -4783,7 +4783,7 @@
           <a:p>
             <a:fld id="{6410AB36-E70B-469E-8F5C-D9AD08E30B0A}" type="datetime1">
               <a:rPr lang="en-US" smtClean="0"/>
-              <a:t>12/8/2015</a:t>
+              <a:t>12/13/16</a:t>
             </a:fld>
             <a:endParaRPr lang="en-US" dirty="0"/>
           </a:p>
@@ -4825,7 +4825,7 @@
           <a:p>
             <a:fld id="{D57F1E4F-1CFF-5643-939E-02111984F565}" type="slidenum">
               <a:rPr lang="en-US" dirty="0"/>
-              <a:t>‹N°›</a:t>
+              <a:t>‹#›</a:t>
             </a:fld>
             <a:endParaRPr lang="en-US" dirty="0"/>
           </a:p>
@@ -4896,7 +4896,7 @@
           <a:p>
             <a:fld id="{B81B622A-D58B-4801-8726-8C0FD6F327E4}" type="datetime1">
               <a:rPr lang="en-US" smtClean="0"/>
-              <a:t>12/8/2015</a:t>
+              <a:t>12/13/16</a:t>
             </a:fld>
             <a:endParaRPr lang="en-US" dirty="0"/>
           </a:p>
@@ -4938,7 +4938,7 @@
           <a:p>
             <a:fld id="{D57F1E4F-1CFF-5643-939E-02111984F565}" type="slidenum">
               <a:rPr lang="en-US" dirty="0"/>
-              <a:t>‹N°›</a:t>
+              <a:t>‹#›</a:t>
             </a:fld>
             <a:endParaRPr lang="en-US" dirty="0"/>
           </a:p>
@@ -4986,7 +4986,7 @@
           <a:p>
             <a:fld id="{BFCDB801-3F5D-4EDE-9F8F-05444B27E639}" type="datetime1">
               <a:rPr lang="en-US" smtClean="0"/>
-              <a:t>12/8/2015</a:t>
+              <a:t>12/13/16</a:t>
             </a:fld>
             <a:endParaRPr lang="en-US" dirty="0"/>
           </a:p>
@@ -5028,7 +5028,7 @@
           <a:p>
             <a:fld id="{D57F1E4F-1CFF-5643-939E-02111984F565}" type="slidenum">
               <a:rPr lang="en-US" dirty="0"/>
-              <a:t>‹N°›</a:t>
+              <a:t>‹#›</a:t>
             </a:fld>
             <a:endParaRPr lang="en-US" dirty="0"/>
           </a:p>
@@ -5260,7 +5260,7 @@
           <a:p>
             <a:fld id="{7198FA0D-8875-4F6E-B2AF-6B2DC58E689B}" type="datetime1">
               <a:rPr lang="en-US" smtClean="0"/>
-              <a:t>12/8/2015</a:t>
+              <a:t>12/13/16</a:t>
             </a:fld>
             <a:endParaRPr lang="en-US" dirty="0"/>
           </a:p>
@@ -5302,7 +5302,7 @@
           <a:p>
             <a:fld id="{D57F1E4F-1CFF-5643-939E-02111984F565}" type="slidenum">
               <a:rPr lang="en-US" dirty="0"/>
-              <a:t>‹N°›</a:t>
+              <a:t>‹#›</a:t>
             </a:fld>
             <a:endParaRPr lang="en-US" dirty="0"/>
           </a:p>
@@ -5530,7 +5530,7 @@
           <a:p>
             <a:fld id="{3BCA36F1-5119-432B-981E-A4608E8F11A2}" type="datetime1">
               <a:rPr lang="en-US" smtClean="0"/>
-              <a:t>12/8/2015</a:t>
+              <a:t>12/13/16</a:t>
             </a:fld>
             <a:endParaRPr lang="en-US" dirty="0"/>
           </a:p>
@@ -5572,7 +5572,7 @@
           <a:p>
             <a:fld id="{D57F1E4F-1CFF-5643-939E-02111984F565}" type="slidenum">
               <a:rPr lang="en-US" dirty="0"/>
-              <a:t>‹N°›</a:t>
+              <a:t>‹#›</a:t>
             </a:fld>
             <a:endParaRPr lang="en-US" dirty="0"/>
           </a:p>
@@ -5954,7 +5954,7 @@
           <a:p>
             <a:fld id="{82BA0AB9-1CC9-4CD0-B75C-4EB130BF7AED}" type="datetime1">
               <a:rPr lang="en-US" smtClean="0"/>
-              <a:t>12/8/2015</a:t>
+              <a:t>12/13/16</a:t>
             </a:fld>
             <a:endParaRPr lang="en-US" dirty="0"/>
           </a:p>
@@ -6033,7 +6033,7 @@
           <a:p>
             <a:fld id="{D57F1E4F-1CFF-5643-939E-02111984F565}" type="slidenum">
               <a:rPr lang="en-US" dirty="0"/>
-              <a:t>‹N°›</a:t>
+              <a:t>‹#›</a:t>
             </a:fld>
             <a:endParaRPr lang="en-US" dirty="0"/>
           </a:p>
@@ -6509,8 +6509,13 @@
             <a:pPr algn="ctr"/>
             <a:r>
               <a:rPr lang="fr-FR" dirty="0" smtClean="0"/>
-              <a:t>Alexis DUCERF – 2015</a:t>
-            </a:r>
+              <a:t>Alexis DUCERF – </a:t>
+            </a:r>
+            <a:r>
+              <a:rPr lang="fr-FR" dirty="0" smtClean="0"/>
+              <a:t>2016</a:t>
+            </a:r>
+            <a:endParaRPr lang="fr-FR" dirty="0" smtClean="0"/>
           </a:p>
           <a:p>
             <a:pPr algn="ctr"/>
